--- a/study/robert/수동조종.pptx
+++ b/study/robert/수동조종.pptx
@@ -4254,14 +4254,6 @@
               </a:rPr>
               <a:t> or pc terminal 2 </a:t>
             </a:r>
-            <a:endParaRPr lang="en-US" altLang="ko-KR" sz="1000" dirty="0">
-              <a:solidFill>
-                <a:schemeClr val="bg1"/>
-              </a:solidFill>
-              <a:latin typeface="Calibri"/>
-              <a:ea typeface="Calibri"/>
-              <a:cs typeface="Calibri"/>
-            </a:endParaRPr>
           </a:p>
           <a:p>
             <a:pPr lvl="0"/>
@@ -4274,18 +4266,7 @@
                 <a:ea typeface="Calibri"/>
                 <a:cs typeface="Calibri"/>
               </a:rPr>
-              <a:t>$ </a:t>
-            </a:r>
-            <a:r>
-              <a:rPr lang="en-US" altLang="ko-KR" sz="1000" dirty="0">
-                <a:solidFill>
-                  <a:schemeClr val="bg1"/>
-                </a:solidFill>
-                <a:latin typeface="Calibri"/>
-                <a:ea typeface="Calibri"/>
-                <a:cs typeface="Calibri"/>
-              </a:rPr>
-              <a:t>ros2 run monicar2_teleop </a:t>
+              <a:t>$ ros2 run monicar2_teleop </a:t>
             </a:r>
             <a:r>
               <a:rPr lang="en-US" altLang="ko-KR" sz="1000" dirty="0" err="1" smtClean="0">
@@ -9819,7 +9800,7 @@
         </p:blipFill>
         <p:spPr>
           <a:xfrm>
-            <a:off x="5192700" y="876625"/>
+            <a:off x="5223655" y="884292"/>
             <a:ext cx="3631201" cy="1976948"/>
           </a:xfrm>
           <a:prstGeom prst="rect">
